--- a/Documents/VentureCapital.pptx
+++ b/Documents/VentureCapital.pptx
@@ -255,7 +255,7 @@
             <a:pPr>
               <a:defRPr/>
             </a:pPr>
-            <a:fld id="{362CD4B1-53B0-4124-995C-6640D21E33A7}" type="datetimeFigureOut">
+            <a:fld id="{50D06A75-3350-4C81-8A47-15EE257EA5B6}" type="datetimeFigureOut">
               <a:rPr lang="en-US"/>
               <a:pPr>
                 <a:defRPr/>
@@ -348,7 +348,7 @@
             <a:pPr>
               <a:defRPr/>
             </a:pPr>
-            <a:fld id="{7A8B0701-B1FF-44F9-869C-859508353EDD}" type="slidenum">
+            <a:fld id="{675D3213-7FE0-4418-9F98-A57ED4EB4D79}" type="slidenum">
               <a:rPr lang="en-US"/>
               <a:pPr>
                 <a:defRPr/>
@@ -469,7 +469,7 @@
             <a:pPr>
               <a:defRPr/>
             </a:pPr>
-            <a:fld id="{470DB202-09D2-4EB5-9043-DD8F209A236B}" type="datetimeFigureOut">
+            <a:fld id="{334ECE8B-F988-4CEB-9F22-6C8C8D6312D4}" type="datetimeFigureOut">
               <a:rPr lang="en-US"/>
               <a:pPr>
                 <a:defRPr/>
@@ -659,7 +659,7 @@
             <a:pPr>
               <a:defRPr/>
             </a:pPr>
-            <a:fld id="{94D49EFB-9635-4B4D-ABB4-50CED4777A05}" type="slidenum">
+            <a:fld id="{03A33A00-80B5-4D9D-A1BC-79AFB117262E}" type="slidenum">
               <a:rPr lang="en-US"/>
               <a:pPr>
                 <a:defRPr/>
@@ -998,7 +998,7 @@
               </a:spcAft>
               <a:defRPr/>
             </a:pPr>
-            <a:fld id="{111C4064-2102-490C-8D1D-7139E2B310B0}" type="slidenum">
+            <a:fld id="{8AD02D12-C023-4B06-A4D4-BCAD8D1FCA5D}" type="slidenum">
               <a:rPr lang="en-US" altLang="zh-TW">
                 <a:ea typeface="新細明體" charset="-120"/>
               </a:rPr>
@@ -1367,7 +1367,7 @@
             <a:pPr>
               <a:defRPr/>
             </a:pPr>
-            <a:fld id="{C1AC52CF-EFBB-44D7-ABE8-B0DCE653C8AB}" type="datetime2">
+            <a:fld id="{03393752-CCB8-45E7-A8DF-188FE86F9AD7}" type="datetime2">
               <a:rPr lang="en-US"/>
               <a:pPr>
                 <a:defRPr/>
@@ -1405,7 +1405,7 @@
             <a:pPr>
               <a:defRPr/>
             </a:pPr>
-            <a:fld id="{7AF98161-9386-474A-AAA0-D1C37FE3FA8D}" type="slidenum">
+            <a:fld id="{416594FD-663C-49DC-AC2C-E8C7675C3368}" type="slidenum">
               <a:rPr lang="en-US"/>
               <a:pPr>
                 <a:defRPr/>
@@ -1623,7 +1623,7 @@
             <a:pPr>
               <a:defRPr/>
             </a:pPr>
-            <a:fld id="{AD5E20B5-9315-4307-B70F-2A2FE63BA237}" type="datetime2">
+            <a:fld id="{D8968166-4A81-4B67-818C-D953F59399B6}" type="datetime2">
               <a:rPr lang="en-US"/>
               <a:pPr>
                 <a:defRPr/>
@@ -1726,7 +1726,7 @@
             <a:pPr>
               <a:defRPr/>
             </a:pPr>
-            <a:fld id="{AD984088-2DC2-41F9-AA49-CEA0A5A54EE9}" type="slidenum">
+            <a:fld id="{817D2251-93A3-4AB0-88B6-3B501DD2822B}" type="slidenum">
               <a:rPr lang="en-US"/>
               <a:pPr>
                 <a:defRPr/>
@@ -2388,7 +2388,7 @@
       </p:sp>
       <p:sp>
         <p:nvSpPr>
-          <p:cNvPr id="3" name="Rectangle 3"/>
+          <p:cNvPr id="5123" name="Rectangle 3"/>
           <p:cNvSpPr>
             <a:spLocks noGrp="1"/>
           </p:cNvSpPr>
@@ -2398,12 +2398,14 @@
         </p:nvSpPr>
         <p:spPr/>
         <p:txBody>
-          <a:bodyPr>
-            <a:normAutofit/>
-          </a:bodyPr>
+          <a:bodyPr/>
           <a:lstStyle/>
           <a:p>
-            <a:pPr eaLnBrk="1" hangingPunct="1"/>
+            <a:pPr eaLnBrk="1" hangingPunct="1">
+              <a:lnSpc>
+                <a:spcPct val="80000"/>
+              </a:lnSpc>
+            </a:pPr>
             <a:r>
               <a:rPr lang="en-US" altLang="zh-TW" smtClean="0">
                 <a:solidFill>
@@ -2415,7 +2417,11 @@
             </a:r>
           </a:p>
           <a:p>
-            <a:pPr eaLnBrk="1" hangingPunct="1"/>
+            <a:pPr eaLnBrk="1" hangingPunct="1">
+              <a:lnSpc>
+                <a:spcPct val="80000"/>
+              </a:lnSpc>
+            </a:pPr>
             <a:r>
               <a:rPr lang="en-US" altLang="zh-TW" smtClean="0">
                 <a:solidFill>
@@ -2427,7 +2433,11 @@
             </a:r>
           </a:p>
           <a:p>
-            <a:pPr eaLnBrk="1" hangingPunct="1"/>
+            <a:pPr eaLnBrk="1" hangingPunct="1">
+              <a:lnSpc>
+                <a:spcPct val="80000"/>
+              </a:lnSpc>
+            </a:pPr>
             <a:r>
               <a:rPr lang="en-US" altLang="zh-TW" smtClean="0">
                 <a:solidFill>
@@ -2436,6 +2446,96 @@
                 <a:ea typeface="新細明體" charset="-120"/>
               </a:rPr>
               <a:t>University of Massachusetts at Boston</a:t>
+            </a:r>
+          </a:p>
+          <a:p>
+            <a:pPr eaLnBrk="1" hangingPunct="1">
+              <a:lnSpc>
+                <a:spcPct val="80000"/>
+              </a:lnSpc>
+            </a:pPr>
+            <a:endParaRPr lang="en-US" altLang="zh-TW" smtClean="0">
+              <a:solidFill>
+                <a:srgbClr val="444F61"/>
+              </a:solidFill>
+              <a:ea typeface="新細明體" charset="-120"/>
+            </a:endParaRPr>
+          </a:p>
+          <a:p>
+            <a:pPr eaLnBrk="1" hangingPunct="1">
+              <a:lnSpc>
+                <a:spcPct val="80000"/>
+              </a:lnSpc>
+            </a:pPr>
+            <a:r>
+              <a:rPr lang="en-US" altLang="zh-TW" smtClean="0">
+                <a:solidFill>
+                  <a:srgbClr val="444F61"/>
+                </a:solidFill>
+                <a:ea typeface="新細明體" charset="-120"/>
+              </a:rPr>
+              <a:t>Tyler Garass and Shi Kumar</a:t>
+            </a:r>
+          </a:p>
+          <a:p>
+            <a:pPr eaLnBrk="1" hangingPunct="1">
+              <a:lnSpc>
+                <a:spcPct val="80000"/>
+              </a:lnSpc>
+            </a:pPr>
+            <a:r>
+              <a:rPr lang="en-US" altLang="zh-TW" smtClean="0">
+                <a:solidFill>
+                  <a:srgbClr val="444F61"/>
+                </a:solidFill>
+                <a:ea typeface="新細明體" charset="-120"/>
+              </a:rPr>
+              <a:t>Mitsubishi Electric Research Laboratories (MERL)</a:t>
+            </a:r>
+          </a:p>
+          <a:p>
+            <a:pPr eaLnBrk="1" hangingPunct="1">
+              <a:lnSpc>
+                <a:spcPct val="80000"/>
+              </a:lnSpc>
+            </a:pPr>
+            <a:endParaRPr lang="en-US" altLang="zh-TW" smtClean="0">
+              <a:solidFill>
+                <a:srgbClr val="444F61"/>
+              </a:solidFill>
+              <a:ea typeface="新細明體" charset="-120"/>
+            </a:endParaRPr>
+          </a:p>
+          <a:p>
+            <a:pPr eaLnBrk="1" hangingPunct="1">
+              <a:lnSpc>
+                <a:spcPct val="80000"/>
+              </a:lnSpc>
+            </a:pPr>
+            <a:r>
+              <a:rPr lang="en-US" altLang="zh-TW" smtClean="0">
+                <a:solidFill>
+                  <a:srgbClr val="444F61"/>
+                </a:solidFill>
+                <a:ea typeface="新細明體" charset="-120"/>
+              </a:rPr>
+              <a:t>CS682 Software Engineering</a:t>
+            </a:r>
+          </a:p>
+          <a:p>
+            <a:pPr eaLnBrk="1" hangingPunct="1">
+              <a:lnSpc>
+                <a:spcPct val="80000"/>
+              </a:lnSpc>
+            </a:pPr>
+            <a:r>
+              <a:rPr lang="en-US" altLang="zh-TW" smtClean="0">
+                <a:solidFill>
+                  <a:srgbClr val="444F61"/>
+                </a:solidFill>
+                <a:ea typeface="新細明體" charset="-120"/>
+              </a:rPr>
+              <a:t>Instructor: Ethan Bolker</a:t>
             </a:r>
           </a:p>
         </p:txBody>
@@ -2526,7 +2626,7 @@
             <a:pPr>
               <a:defRPr/>
             </a:pPr>
-            <a:fld id="{2E0A7F24-A683-40C2-8A86-27D6899D407C}" type="slidenum">
+            <a:fld id="{A8DCF9AA-D3BA-4643-934E-1B6BC643EC09}" type="slidenum">
               <a:rPr lang="en-US"/>
               <a:pPr>
                 <a:defRPr/>
@@ -2729,7 +2829,7 @@
       </p:grpSpPr>
       <p:sp>
         <p:nvSpPr>
-          <p:cNvPr id="10242" name="Rectangle 2"/>
+          <p:cNvPr id="9217" name="Rectangle 2"/>
           <p:cNvSpPr>
             <a:spLocks noGrp="1"/>
           </p:cNvSpPr>
@@ -2761,7 +2861,7 @@
       </p:sp>
       <p:sp>
         <p:nvSpPr>
-          <p:cNvPr id="10243" name="Rectangle 3"/>
+          <p:cNvPr id="9218" name="Rectangle 3"/>
           <p:cNvSpPr>
             <a:spLocks noGrp="1"/>
           </p:cNvSpPr>
@@ -2808,7 +2908,7 @@
       </p:grpSpPr>
       <p:sp>
         <p:nvSpPr>
-          <p:cNvPr id="11266" name="Rectangle 2"/>
+          <p:cNvPr id="10241" name="Rectangle 2"/>
           <p:cNvSpPr>
             <a:spLocks noGrp="1"/>
           </p:cNvSpPr>
@@ -2840,7 +2940,7 @@
       </p:sp>
       <p:sp>
         <p:nvSpPr>
-          <p:cNvPr id="11267" name="Rectangle 3"/>
+          <p:cNvPr id="10242" name="Rectangle 3"/>
           <p:cNvSpPr>
             <a:spLocks noGrp="1"/>
           </p:cNvSpPr>
@@ -2908,7 +3008,7 @@
       </p:grpSpPr>
       <p:sp>
         <p:nvSpPr>
-          <p:cNvPr id="12290" name="Rectangle 2"/>
+          <p:cNvPr id="11265" name="Rectangle 2"/>
           <p:cNvSpPr>
             <a:spLocks noGrp="1"/>
           </p:cNvSpPr>
@@ -2940,7 +3040,7 @@
       </p:sp>
       <p:sp>
         <p:nvSpPr>
-          <p:cNvPr id="12291" name="Rectangle 3"/>
+          <p:cNvPr id="11266" name="Rectangle 3"/>
           <p:cNvSpPr>
             <a:spLocks noGrp="1"/>
           </p:cNvSpPr>
@@ -2987,7 +3087,7 @@
       </p:grpSpPr>
       <p:sp>
         <p:nvSpPr>
-          <p:cNvPr id="13314" name="Rectangle 2"/>
+          <p:cNvPr id="12289" name="Rectangle 2"/>
           <p:cNvSpPr>
             <a:spLocks noGrp="1"/>
           </p:cNvSpPr>
@@ -3019,7 +3119,7 @@
       </p:sp>
       <p:sp>
         <p:nvSpPr>
-          <p:cNvPr id="13315" name="Rectangle 3"/>
+          <p:cNvPr id="12290" name="Rectangle 3"/>
           <p:cNvSpPr>
             <a:spLocks noGrp="1"/>
           </p:cNvSpPr>
@@ -3084,7 +3184,7 @@
       </p:grpSpPr>
       <p:sp>
         <p:nvSpPr>
-          <p:cNvPr id="14338" name="Rectangle 2"/>
+          <p:cNvPr id="13313" name="Rectangle 2"/>
           <p:cNvSpPr>
             <a:spLocks noGrp="1"/>
           </p:cNvSpPr>
@@ -3120,7 +3220,7 @@
       </p:sp>
       <p:sp>
         <p:nvSpPr>
-          <p:cNvPr id="14339" name="Rectangle 3"/>
+          <p:cNvPr id="13314" name="Rectangle 3"/>
           <p:cNvSpPr>
             <a:spLocks noGrp="1"/>
           </p:cNvSpPr>
@@ -3269,42 +3369,42 @@
           </a:p>
         </p:txBody>
       </p:sp>
-      <p:sp>
-        <p:nvSpPr>
-          <p:cNvPr id="14340" name="Rectangle 4"/>
-          <p:cNvSpPr>
-            <a:spLocks noGrp="1"/>
-          </p:cNvSpPr>
+      <p:pic>
+        <p:nvPicPr>
+          <p:cNvPr id="13315" name="Rectangle 4"/>
+          <p:cNvPicPr>
+            <a:picLocks noGrp="1"/>
+          </p:cNvPicPr>
           <p:nvPr>
             <p:ph type="body" sz="half" idx="4294967295"/>
           </p:nvPr>
-        </p:nvSpPr>
+        </p:nvPicPr>
+        <p:blipFill>
+          <a:blip r:embed="rId2"/>
+          <a:srcRect l="57204" t="16837" r="12531" b="22554"/>
+          <a:stretch>
+            <a:fillRect/>
+          </a:stretch>
+        </p:blipFill>
         <p:spPr>
           <a:xfrm>
-            <a:off x="4724400" y="1554163"/>
-            <a:ext cx="4267200" cy="4525962"/>
+            <a:off x="4419600" y="1981200"/>
+            <a:ext cx="4724400" cy="4267200"/>
           </a:xfrm>
         </p:spPr>
-        <p:txBody>
-          <a:bodyPr/>
-          <a:lstStyle/>
-          <a:p>
-            <a:pPr>
-              <a:lnSpc>
-                <a:spcPct val="90000"/>
-              </a:lnSpc>
-            </a:pPr>
-            <a:endParaRPr lang="zh-TW" altLang="en-US" sz="2800" smtClean="0">
-              <a:ea typeface="新細明體" charset="-120"/>
-            </a:endParaRPr>
-          </a:p>
-        </p:txBody>
-      </p:sp>
+      </p:pic>
     </p:spTree>
   </p:cSld>
   <p:clrMapOvr>
     <a:masterClrMapping/>
   </p:clrMapOvr>
+  <p:timing>
+    <p:tnLst>
+      <p:par>
+        <p:cTn id="1" dur="indefinite" restart="never" nodeType="tmRoot"/>
+      </p:par>
+    </p:tnLst>
+  </p:timing>
 </p:sld>
 </file>
 
@@ -3327,7 +3427,7 @@
       </p:grpSpPr>
       <p:sp>
         <p:nvSpPr>
-          <p:cNvPr id="16386" name="Rectangle 2"/>
+          <p:cNvPr id="14337" name="Rectangle 2"/>
           <p:cNvSpPr>
             <a:spLocks noGrp="1"/>
           </p:cNvSpPr>
@@ -3359,7 +3459,7 @@
       </p:sp>
       <p:sp>
         <p:nvSpPr>
-          <p:cNvPr id="16387" name="Rectangle 3"/>
+          <p:cNvPr id="14338" name="Rectangle 3"/>
           <p:cNvSpPr>
             <a:spLocks noGrp="1"/>
           </p:cNvSpPr>
@@ -3383,6 +3483,13 @@
   <p:clrMapOvr>
     <a:masterClrMapping/>
   </p:clrMapOvr>
+  <p:timing>
+    <p:tnLst>
+      <p:par>
+        <p:cTn id="1" dur="indefinite" restart="never" nodeType="tmRoot"/>
+      </p:par>
+    </p:tnLst>
+  </p:timing>
 </p:sld>
 </file>
 
